--- a/lectures3/intro-wrapup.pptx
+++ b/lectures3/intro-wrapup.pptx
@@ -113,6 +113,11 @@
       </a:defRPr>
     </a:lvl9pPr>
   </p:defaultTextStyle>
+  <p:extLst>
+    <p:ext uri="{EFAFB233-063F-42B5-8137-9DF3F51BA10A}">
+      <p15:sldGuideLst xmlns:p15="http://schemas.microsoft.com/office/powerpoint/2012/main"/>
+    </p:ext>
+  </p:extLst>
 </p:presentation>
 </file>
 
@@ -198,7 +203,7 @@
           <a:p>
             <a:fld id="{95046701-2173-274B-800C-F21DC909FE32}" type="datetimeFigureOut">
               <a:rPr lang="en-US" smtClean="0"/>
-              <a:t>1/17/19</a:t>
+              <a:t>9/17/19</a:t>
             </a:fld>
             <a:endParaRPr lang="en-US"/>
           </a:p>
@@ -597,7 +602,7 @@
           <a:p>
             <a:fld id="{CE74A5C2-5D6F-3944-8853-6155C19A6F8F}" type="datetimeFigureOut">
               <a:rPr lang="en-US" smtClean="0"/>
-              <a:t>1/17/19</a:t>
+              <a:t>9/17/19</a:t>
             </a:fld>
             <a:endParaRPr lang="en-US"/>
           </a:p>
@@ -767,7 +772,7 @@
           <a:p>
             <a:fld id="{CE74A5C2-5D6F-3944-8853-6155C19A6F8F}" type="datetimeFigureOut">
               <a:rPr lang="en-US" smtClean="0"/>
-              <a:t>1/17/19</a:t>
+              <a:t>9/17/19</a:t>
             </a:fld>
             <a:endParaRPr lang="en-US"/>
           </a:p>
@@ -947,7 +952,7 @@
           <a:p>
             <a:fld id="{CE74A5C2-5D6F-3944-8853-6155C19A6F8F}" type="datetimeFigureOut">
               <a:rPr lang="en-US" smtClean="0"/>
-              <a:t>1/17/19</a:t>
+              <a:t>9/17/19</a:t>
             </a:fld>
             <a:endParaRPr lang="en-US"/>
           </a:p>
@@ -1117,7 +1122,7 @@
           <a:p>
             <a:fld id="{CE74A5C2-5D6F-3944-8853-6155C19A6F8F}" type="datetimeFigureOut">
               <a:rPr lang="en-US" smtClean="0"/>
-              <a:t>1/17/19</a:t>
+              <a:t>9/17/19</a:t>
             </a:fld>
             <a:endParaRPr lang="en-US"/>
           </a:p>
@@ -1363,7 +1368,7 @@
           <a:p>
             <a:fld id="{CE74A5C2-5D6F-3944-8853-6155C19A6F8F}" type="datetimeFigureOut">
               <a:rPr lang="en-US" smtClean="0"/>
-              <a:t>1/17/19</a:t>
+              <a:t>9/17/19</a:t>
             </a:fld>
             <a:endParaRPr lang="en-US"/>
           </a:p>
@@ -1595,7 +1600,7 @@
           <a:p>
             <a:fld id="{CE74A5C2-5D6F-3944-8853-6155C19A6F8F}" type="datetimeFigureOut">
               <a:rPr lang="en-US" smtClean="0"/>
-              <a:t>1/17/19</a:t>
+              <a:t>9/17/19</a:t>
             </a:fld>
             <a:endParaRPr lang="en-US"/>
           </a:p>
@@ -1962,7 +1967,7 @@
           <a:p>
             <a:fld id="{CE74A5C2-5D6F-3944-8853-6155C19A6F8F}" type="datetimeFigureOut">
               <a:rPr lang="en-US" smtClean="0"/>
-              <a:t>1/17/19</a:t>
+              <a:t>9/17/19</a:t>
             </a:fld>
             <a:endParaRPr lang="en-US"/>
           </a:p>
@@ -2080,7 +2085,7 @@
           <a:p>
             <a:fld id="{CE74A5C2-5D6F-3944-8853-6155C19A6F8F}" type="datetimeFigureOut">
               <a:rPr lang="en-US" smtClean="0"/>
-              <a:t>1/17/19</a:t>
+              <a:t>9/17/19</a:t>
             </a:fld>
             <a:endParaRPr lang="en-US"/>
           </a:p>
@@ -2175,7 +2180,7 @@
           <a:p>
             <a:fld id="{CE74A5C2-5D6F-3944-8853-6155C19A6F8F}" type="datetimeFigureOut">
               <a:rPr lang="en-US" smtClean="0"/>
-              <a:t>1/17/19</a:t>
+              <a:t>9/17/19</a:t>
             </a:fld>
             <a:endParaRPr lang="en-US"/>
           </a:p>
@@ -2452,7 +2457,7 @@
           <a:p>
             <a:fld id="{CE74A5C2-5D6F-3944-8853-6155C19A6F8F}" type="datetimeFigureOut">
               <a:rPr lang="en-US" smtClean="0"/>
-              <a:t>1/17/19</a:t>
+              <a:t>9/17/19</a:t>
             </a:fld>
             <a:endParaRPr lang="en-US"/>
           </a:p>
@@ -2705,7 +2710,7 @@
           <a:p>
             <a:fld id="{CE74A5C2-5D6F-3944-8853-6155C19A6F8F}" type="datetimeFigureOut">
               <a:rPr lang="en-US" smtClean="0"/>
-              <a:t>1/17/19</a:t>
+              <a:t>9/17/19</a:t>
             </a:fld>
             <a:endParaRPr lang="en-US"/>
           </a:p>
@@ -2918,7 +2923,7 @@
           <a:p>
             <a:fld id="{CE74A5C2-5D6F-3944-8853-6155C19A6F8F}" type="datetimeFigureOut">
               <a:rPr lang="en-US" smtClean="0"/>
-              <a:t>1/17/19</a:t>
+              <a:t>9/17/19</a:t>
             </a:fld>
             <a:endParaRPr lang="en-US"/>
           </a:p>
@@ -4063,8 +4068,19 @@
               <a:rPr lang="en-US" dirty="0" smtClean="0"/>
             </a:br>
             <a:r>
-              <a:rPr lang="en-US" dirty="0" smtClean="0"/>
-              <a:t>Take intro classes </a:t>
+              <a:rPr lang="en-US" smtClean="0"/>
+              <a:t>Learn to Learn</a:t>
+            </a:r>
+            <a:br>
+              <a:rPr lang="en-US" smtClean="0"/>
+            </a:br>
+            <a:r>
+              <a:rPr lang="en-US" dirty="0" smtClean="0"/>
+              <a:t>Take </a:t>
+            </a:r>
+            <a:r>
+              <a:rPr lang="en-US" dirty="0" smtClean="0"/>
+              <a:t>intro classes </a:t>
             </a:r>
             <a:r>
               <a:rPr lang="mr-IN" dirty="0" smtClean="0"/>
@@ -4113,14 +4129,15 @@
             </a:br>
             <a:r>
               <a:rPr lang="en-US" dirty="0" smtClean="0"/>
-              <a:t>Use at work</a:t>
-            </a:r>
-            <a:br>
-              <a:rPr lang="en-US" dirty="0" smtClean="0"/>
-            </a:br>
-            <a:r>
-              <a:rPr lang="en-US" dirty="0" smtClean="0"/>
-              <a:t>Get new job</a:t>
+              <a:t>Use at </a:t>
+            </a:r>
+            <a:r>
+              <a:rPr lang="en-US" dirty="0" smtClean="0"/>
+              <a:t>work / Get </a:t>
+            </a:r>
+            <a:r>
+              <a:rPr lang="en-US" dirty="0" smtClean="0"/>
+              <a:t>new job</a:t>
             </a:r>
             <a:br>
               <a:rPr lang="en-US" dirty="0" smtClean="0"/>
